--- a/Taller-Resistencia.pptx
+++ b/Taller-Resistencia.pptx
@@ -5,7 +5,7 @@
     <p:sldMasterId id="2147483648" r:id="rId1"/>
   </p:sldMasterIdLst>
   <p:notesMasterIdLst>
-    <p:notesMasterId r:id="rId27"/>
+    <p:notesMasterId r:id="rId22"/>
   </p:notesMasterIdLst>
   <p:sldIdLst>
     <p:sldId id="256" r:id="rId2"/>
@@ -28,21 +28,16 @@
     <p:sldId id="285" r:id="rId19"/>
     <p:sldId id="260" r:id="rId20"/>
     <p:sldId id="264" r:id="rId21"/>
-    <p:sldId id="278" r:id="rId22"/>
-    <p:sldId id="259" r:id="rId23"/>
-    <p:sldId id="268" r:id="rId24"/>
-    <p:sldId id="262" r:id="rId25"/>
-    <p:sldId id="263" r:id="rId26"/>
   </p:sldIdLst>
   <p:sldSz cx="12192000" cy="6858000"/>
   <p:notesSz cx="6858000" cy="9144000"/>
   <p:embeddedFontLst>
     <p:embeddedFont>
       <p:font typeface="Noto Sans" panose="020B0502040504020204" pitchFamily="34" charset="0"/>
-      <p:regular r:id="rId28"/>
-      <p:bold r:id="rId29"/>
-      <p:italic r:id="rId30"/>
-      <p:boldItalic r:id="rId31"/>
+      <p:regular r:id="rId23"/>
+      <p:bold r:id="rId24"/>
+      <p:italic r:id="rId25"/>
+      <p:boldItalic r:id="rId26"/>
     </p:embeddedFont>
   </p:embeddedFontLst>
   <p:defaultTextStyle>
@@ -279,7 +274,7 @@
       <p15:sldGuideLst xmlns:p15="http://schemas.microsoft.com/office/powerpoint/2012/main"/>
     </p:ext>
     <p:ext uri="GoogleSlidesCustomDataVersion2">
-      <go:slidesCustomData xmlns="" xmlns:mc="http://schemas.openxmlformats.org/markup-compatibility/2006" xmlns:mv="urn:schemas-microsoft-com:mac:vml" xmlns:c="http://schemas.openxmlformats.org/drawingml/2006/chart" xmlns:dgm="http://schemas.openxmlformats.org/drawingml/2006/diagram" xmlns:o="urn:schemas-microsoft-com:office:office" xmlns:v="urn:schemas-microsoft-com:vml" xmlns:pvml="urn:schemas-microsoft-com:office:powerpoint" xmlns:com="http://schemas.openxmlformats.org/drawingml/2006/compatibility" xmlns:p14="http://schemas.microsoft.com/office/powerpoint/2010/main" xmlns:p15="http://schemas.microsoft.com/office/powerpoint/2012/main" xmlns:ahyp="http://schemas.microsoft.com/office/drawing/2018/hyperlinkcolor" xmlns:go="http://customooxmlschemas.google.com/" r:id="rId32" roundtripDataSignature="AMtx7miIBdu6YISL5HW1XUvLaTImNRgq0w=="/>
+      <go:slidesCustomData xmlns:go="http://customooxmlschemas.google.com/" xmlns:ahyp="http://schemas.microsoft.com/office/drawing/2018/hyperlinkcolor" xmlns:p15="http://schemas.microsoft.com/office/powerpoint/2012/main" xmlns:p14="http://schemas.microsoft.com/office/powerpoint/2010/main" xmlns:com="http://schemas.openxmlformats.org/drawingml/2006/compatibility" xmlns:pvml="urn:schemas-microsoft-com:office:powerpoint" xmlns:v="urn:schemas-microsoft-com:vml" xmlns:o="urn:schemas-microsoft-com:office:office" xmlns:dgm="http://schemas.openxmlformats.org/drawingml/2006/diagram" xmlns:c="http://schemas.openxmlformats.org/drawingml/2006/chart" xmlns:mv="urn:schemas-microsoft-com:mac:vml" xmlns:mc="http://schemas.openxmlformats.org/markup-compatibility/2006" xmlns="" r:id="rId32" roundtripDataSignature="AMtx7miIBdu6YISL5HW1XUvLaTImNRgq0w=="/>
     </p:ext>
   </p:extLst>
 </p:presentation>
@@ -2485,544 +2480,6 @@
         </p:spPr>
       </p:sp>
     </p:spTree>
-  </p:cSld>
-  <p:clrMapOvr>
-    <a:masterClrMapping/>
-  </p:clrMapOvr>
-</p:notes>
-</file>
-
-<file path=ppt/notesSlides/notesSlide21.xml><?xml version="1.0" encoding="utf-8"?>
-<p:notes xmlns:a="http://schemas.openxmlformats.org/drawingml/2006/main" xmlns:r="http://schemas.openxmlformats.org/officeDocument/2006/relationships" xmlns:p="http://schemas.openxmlformats.org/presentationml/2006/main">
-  <p:cSld>
-    <p:spTree>
-      <p:nvGrpSpPr>
-        <p:cNvPr id="1" name=""/>
-        <p:cNvGrpSpPr/>
-        <p:nvPr/>
-      </p:nvGrpSpPr>
-      <p:grpSpPr>
-        <a:xfrm>
-          <a:off x="0" y="0"/>
-          <a:ext cx="0" cy="0"/>
-          <a:chOff x="0" y="0"/>
-          <a:chExt cx="0" cy="0"/>
-        </a:xfrm>
-      </p:grpSpPr>
-    </p:spTree>
-    <p:extLst>
-      <p:ext uri="{BB962C8B-B14F-4D97-AF65-F5344CB8AC3E}">
-        <p14:creationId xmlns:p14="http://schemas.microsoft.com/office/powerpoint/2010/main" val="252105380"/>
-      </p:ext>
-    </p:extLst>
-  </p:cSld>
-  <p:clrMapOvr>
-    <a:masterClrMapping/>
-  </p:clrMapOvr>
-</p:notes>
-</file>
-
-<file path=ppt/notesSlides/notesSlide22.xml><?xml version="1.0" encoding="utf-8"?>
-<p:notes xmlns:a="http://schemas.openxmlformats.org/drawingml/2006/main" xmlns:r="http://schemas.openxmlformats.org/officeDocument/2006/relationships" xmlns:p="http://schemas.openxmlformats.org/presentationml/2006/main" showMasterSp="0" showMasterPhAnim="0">
-  <p:cSld>
-    <p:spTree>
-      <p:nvGrpSpPr>
-        <p:cNvPr id="1" name="Shape 100"/>
-        <p:cNvGrpSpPr/>
-        <p:nvPr/>
-      </p:nvGrpSpPr>
-      <p:grpSpPr>
-        <a:xfrm>
-          <a:off x="0" y="0"/>
-          <a:ext cx="0" cy="0"/>
-          <a:chOff x="0" y="0"/>
-          <a:chExt cx="0" cy="0"/>
-        </a:xfrm>
-      </p:grpSpPr>
-      <p:sp>
-        <p:nvSpPr>
-          <p:cNvPr id="101" name="Google Shape;101;p8:notes"/>
-          <p:cNvSpPr txBox="1">
-            <a:spLocks noGrp="1"/>
-          </p:cNvSpPr>
-          <p:nvPr>
-            <p:ph type="body" idx="1"/>
-          </p:nvPr>
-        </p:nvSpPr>
-        <p:spPr>
-          <a:xfrm>
-            <a:off x="685800" y="4343400"/>
-            <a:ext cx="5486400" cy="4114800"/>
-          </a:xfrm>
-          <a:prstGeom prst="rect">
-            <a:avLst/>
-          </a:prstGeom>
-          <a:noFill/>
-          <a:ln>
-            <a:noFill/>
-          </a:ln>
-        </p:spPr>
-        <p:txBody>
-          <a:bodyPr spcFirstLastPara="1" wrap="square" lIns="91425" tIns="91425" rIns="91425" bIns="91425" anchor="t" anchorCtr="0">
-            <a:noAutofit/>
-          </a:bodyPr>
-          <a:lstStyle/>
-          <a:p>
-            <a:pPr marL="0" lvl="0" indent="0" algn="l" rtl="0">
-              <a:lnSpc>
-                <a:spcPct val="100000"/>
-              </a:lnSpc>
-              <a:spcBef>
-                <a:spcPts val="0"/>
-              </a:spcBef>
-              <a:spcAft>
-                <a:spcPts val="0"/>
-              </a:spcAft>
-              <a:buSzPts val="1100"/>
-              <a:buNone/>
-            </a:pPr>
-            <a:endParaRPr/>
-          </a:p>
-        </p:txBody>
-      </p:sp>
-      <p:sp>
-        <p:nvSpPr>
-          <p:cNvPr id="102" name="Google Shape;102;p8:notes"/>
-          <p:cNvSpPr>
-            <a:spLocks noGrp="1" noRot="1" noChangeAspect="1"/>
-          </p:cNvSpPr>
-          <p:nvPr>
-            <p:ph type="sldImg" idx="2"/>
-          </p:nvPr>
-        </p:nvSpPr>
-        <p:spPr>
-          <a:xfrm>
-            <a:off x="381000" y="685800"/>
-            <a:ext cx="6096000" cy="3429000"/>
-          </a:xfrm>
-          <a:custGeom>
-            <a:avLst/>
-            <a:gdLst/>
-            <a:ahLst/>
-            <a:cxnLst/>
-            <a:rect l="l" t="t" r="r" b="b"/>
-            <a:pathLst>
-              <a:path w="120000" h="120000" extrusionOk="0">
-                <a:moveTo>
-                  <a:pt x="0" y="0"/>
-                </a:moveTo>
-                <a:lnTo>
-                  <a:pt x="120000" y="0"/>
-                </a:lnTo>
-                <a:lnTo>
-                  <a:pt x="120000" y="120000"/>
-                </a:lnTo>
-                <a:lnTo>
-                  <a:pt x="0" y="120000"/>
-                </a:lnTo>
-                <a:close/>
-              </a:path>
-            </a:pathLst>
-          </a:custGeom>
-          <a:noFill/>
-          <a:ln w="9525" cap="flat" cmpd="sng">
-            <a:solidFill>
-              <a:srgbClr val="000000"/>
-            </a:solidFill>
-            <a:prstDash val="solid"/>
-            <a:round/>
-            <a:headEnd type="none" w="sm" len="sm"/>
-            <a:tailEnd type="none" w="sm" len="sm"/>
-          </a:ln>
-        </p:spPr>
-      </p:sp>
-    </p:spTree>
-    <p:extLst>
-      <p:ext uri="{BB962C8B-B14F-4D97-AF65-F5344CB8AC3E}">
-        <p14:creationId xmlns:p14="http://schemas.microsoft.com/office/powerpoint/2010/main" val="702033785"/>
-      </p:ext>
-    </p:extLst>
-  </p:cSld>
-  <p:clrMapOvr>
-    <a:masterClrMapping/>
-  </p:clrMapOvr>
-</p:notes>
-</file>
-
-<file path=ppt/notesSlides/notesSlide23.xml><?xml version="1.0" encoding="utf-8"?>
-<p:notes xmlns:a="http://schemas.openxmlformats.org/drawingml/2006/main" xmlns:r="http://schemas.openxmlformats.org/officeDocument/2006/relationships" xmlns:p="http://schemas.openxmlformats.org/presentationml/2006/main" showMasterSp="0" showMasterPhAnim="0">
-  <p:cSld>
-    <p:spTree>
-      <p:nvGrpSpPr>
-        <p:cNvPr id="1" name="Shape 111"/>
-        <p:cNvGrpSpPr/>
-        <p:nvPr/>
-      </p:nvGrpSpPr>
-      <p:grpSpPr>
-        <a:xfrm>
-          <a:off x="0" y="0"/>
-          <a:ext cx="0" cy="0"/>
-          <a:chOff x="0" y="0"/>
-          <a:chExt cx="0" cy="0"/>
-        </a:xfrm>
-      </p:grpSpPr>
-      <p:sp>
-        <p:nvSpPr>
-          <p:cNvPr id="112" name="Google Shape;112;p12:notes"/>
-          <p:cNvSpPr txBox="1">
-            <a:spLocks noGrp="1"/>
-          </p:cNvSpPr>
-          <p:nvPr>
-            <p:ph type="body" idx="1"/>
-          </p:nvPr>
-        </p:nvSpPr>
-        <p:spPr>
-          <a:xfrm>
-            <a:off x="685800" y="4343400"/>
-            <a:ext cx="5486400" cy="4114800"/>
-          </a:xfrm>
-          <a:prstGeom prst="rect">
-            <a:avLst/>
-          </a:prstGeom>
-          <a:noFill/>
-          <a:ln>
-            <a:noFill/>
-          </a:ln>
-        </p:spPr>
-        <p:txBody>
-          <a:bodyPr spcFirstLastPara="1" wrap="square" lIns="91425" tIns="91425" rIns="91425" bIns="91425" anchor="t" anchorCtr="0">
-            <a:noAutofit/>
-          </a:bodyPr>
-          <a:lstStyle/>
-          <a:p>
-            <a:pPr marL="0" lvl="0" indent="0" algn="l" rtl="0">
-              <a:lnSpc>
-                <a:spcPct val="100000"/>
-              </a:lnSpc>
-              <a:spcBef>
-                <a:spcPts val="0"/>
-              </a:spcBef>
-              <a:spcAft>
-                <a:spcPts val="0"/>
-              </a:spcAft>
-              <a:buSzPts val="1100"/>
-              <a:buNone/>
-            </a:pPr>
-            <a:endParaRPr/>
-          </a:p>
-        </p:txBody>
-      </p:sp>
-      <p:sp>
-        <p:nvSpPr>
-          <p:cNvPr id="113" name="Google Shape;113;p12:notes"/>
-          <p:cNvSpPr>
-            <a:spLocks noGrp="1" noRot="1" noChangeAspect="1"/>
-          </p:cNvSpPr>
-          <p:nvPr>
-            <p:ph type="sldImg" idx="2"/>
-          </p:nvPr>
-        </p:nvSpPr>
-        <p:spPr>
-          <a:xfrm>
-            <a:off x="381000" y="685800"/>
-            <a:ext cx="6096000" cy="3429000"/>
-          </a:xfrm>
-          <a:custGeom>
-            <a:avLst/>
-            <a:gdLst/>
-            <a:ahLst/>
-            <a:cxnLst/>
-            <a:rect l="l" t="t" r="r" b="b"/>
-            <a:pathLst>
-              <a:path w="120000" h="120000" extrusionOk="0">
-                <a:moveTo>
-                  <a:pt x="0" y="0"/>
-                </a:moveTo>
-                <a:lnTo>
-                  <a:pt x="120000" y="0"/>
-                </a:lnTo>
-                <a:lnTo>
-                  <a:pt x="120000" y="120000"/>
-                </a:lnTo>
-                <a:lnTo>
-                  <a:pt x="0" y="120000"/>
-                </a:lnTo>
-                <a:close/>
-              </a:path>
-            </a:pathLst>
-          </a:custGeom>
-          <a:noFill/>
-          <a:ln w="9525" cap="flat" cmpd="sng">
-            <a:solidFill>
-              <a:srgbClr val="000000"/>
-            </a:solidFill>
-            <a:prstDash val="solid"/>
-            <a:round/>
-            <a:headEnd type="none" w="sm" len="sm"/>
-            <a:tailEnd type="none" w="sm" len="sm"/>
-          </a:ln>
-        </p:spPr>
-      </p:sp>
-    </p:spTree>
-    <p:extLst>
-      <p:ext uri="{BB962C8B-B14F-4D97-AF65-F5344CB8AC3E}">
-        <p14:creationId xmlns:p14="http://schemas.microsoft.com/office/powerpoint/2010/main" val="3497825462"/>
-      </p:ext>
-    </p:extLst>
-  </p:cSld>
-  <p:clrMapOvr>
-    <a:masterClrMapping/>
-  </p:clrMapOvr>
-</p:notes>
-</file>
-
-<file path=ppt/notesSlides/notesSlide24.xml><?xml version="1.0" encoding="utf-8"?>
-<p:notes xmlns:a="http://schemas.openxmlformats.org/drawingml/2006/main" xmlns:r="http://schemas.openxmlformats.org/officeDocument/2006/relationships" xmlns:p="http://schemas.openxmlformats.org/presentationml/2006/main" showMasterSp="0" showMasterPhAnim="0">
-  <p:cSld>
-    <p:spTree>
-      <p:nvGrpSpPr>
-        <p:cNvPr id="1" name="Shape 116"/>
-        <p:cNvGrpSpPr/>
-        <p:nvPr/>
-      </p:nvGrpSpPr>
-      <p:grpSpPr>
-        <a:xfrm>
-          <a:off x="0" y="0"/>
-          <a:ext cx="0" cy="0"/>
-          <a:chOff x="0" y="0"/>
-          <a:chExt cx="0" cy="0"/>
-        </a:xfrm>
-      </p:grpSpPr>
-      <p:sp>
-        <p:nvSpPr>
-          <p:cNvPr id="117" name="Google Shape;117;p13:notes"/>
-          <p:cNvSpPr txBox="1">
-            <a:spLocks noGrp="1"/>
-          </p:cNvSpPr>
-          <p:nvPr>
-            <p:ph type="body" idx="1"/>
-          </p:nvPr>
-        </p:nvSpPr>
-        <p:spPr>
-          <a:xfrm>
-            <a:off x="685800" y="4343400"/>
-            <a:ext cx="5486400" cy="4114800"/>
-          </a:xfrm>
-          <a:prstGeom prst="rect">
-            <a:avLst/>
-          </a:prstGeom>
-          <a:noFill/>
-          <a:ln>
-            <a:noFill/>
-          </a:ln>
-        </p:spPr>
-        <p:txBody>
-          <a:bodyPr spcFirstLastPara="1" wrap="square" lIns="91425" tIns="91425" rIns="91425" bIns="91425" anchor="t" anchorCtr="0">
-            <a:noAutofit/>
-          </a:bodyPr>
-          <a:lstStyle/>
-          <a:p>
-            <a:pPr marL="0" lvl="0" indent="0" algn="l" rtl="0">
-              <a:lnSpc>
-                <a:spcPct val="100000"/>
-              </a:lnSpc>
-              <a:spcBef>
-                <a:spcPts val="0"/>
-              </a:spcBef>
-              <a:spcAft>
-                <a:spcPts val="0"/>
-              </a:spcAft>
-              <a:buSzPts val="1100"/>
-              <a:buNone/>
-            </a:pPr>
-            <a:endParaRPr/>
-          </a:p>
-        </p:txBody>
-      </p:sp>
-      <p:sp>
-        <p:nvSpPr>
-          <p:cNvPr id="118" name="Google Shape;118;p13:notes"/>
-          <p:cNvSpPr>
-            <a:spLocks noGrp="1" noRot="1" noChangeAspect="1"/>
-          </p:cNvSpPr>
-          <p:nvPr>
-            <p:ph type="sldImg" idx="2"/>
-          </p:nvPr>
-        </p:nvSpPr>
-        <p:spPr>
-          <a:xfrm>
-            <a:off x="381000" y="685800"/>
-            <a:ext cx="6096000" cy="3429000"/>
-          </a:xfrm>
-          <a:custGeom>
-            <a:avLst/>
-            <a:gdLst/>
-            <a:ahLst/>
-            <a:cxnLst/>
-            <a:rect l="l" t="t" r="r" b="b"/>
-            <a:pathLst>
-              <a:path w="120000" h="120000" extrusionOk="0">
-                <a:moveTo>
-                  <a:pt x="0" y="0"/>
-                </a:moveTo>
-                <a:lnTo>
-                  <a:pt x="120000" y="0"/>
-                </a:lnTo>
-                <a:lnTo>
-                  <a:pt x="120000" y="120000"/>
-                </a:lnTo>
-                <a:lnTo>
-                  <a:pt x="0" y="120000"/>
-                </a:lnTo>
-                <a:close/>
-              </a:path>
-            </a:pathLst>
-          </a:custGeom>
-          <a:noFill/>
-          <a:ln w="9525" cap="flat" cmpd="sng">
-            <a:solidFill>
-              <a:srgbClr val="000000"/>
-            </a:solidFill>
-            <a:prstDash val="solid"/>
-            <a:round/>
-            <a:headEnd type="none" w="sm" len="sm"/>
-            <a:tailEnd type="none" w="sm" len="sm"/>
-          </a:ln>
-        </p:spPr>
-      </p:sp>
-    </p:spTree>
-    <p:extLst>
-      <p:ext uri="{BB962C8B-B14F-4D97-AF65-F5344CB8AC3E}">
-        <p14:creationId xmlns:p14="http://schemas.microsoft.com/office/powerpoint/2010/main" val="2326986544"/>
-      </p:ext>
-    </p:extLst>
-  </p:cSld>
-  <p:clrMapOvr>
-    <a:masterClrMapping/>
-  </p:clrMapOvr>
-</p:notes>
-</file>
-
-<file path=ppt/notesSlides/notesSlide25.xml><?xml version="1.0" encoding="utf-8"?>
-<p:notes xmlns:a="http://schemas.openxmlformats.org/drawingml/2006/main" xmlns:r="http://schemas.openxmlformats.org/officeDocument/2006/relationships" xmlns:p="http://schemas.openxmlformats.org/presentationml/2006/main" showMasterSp="0" showMasterPhAnim="0">
-  <p:cSld>
-    <p:spTree>
-      <p:nvGrpSpPr>
-        <p:cNvPr id="1" name="Shape 121"/>
-        <p:cNvGrpSpPr/>
-        <p:nvPr/>
-      </p:nvGrpSpPr>
-      <p:grpSpPr>
-        <a:xfrm>
-          <a:off x="0" y="0"/>
-          <a:ext cx="0" cy="0"/>
-          <a:chOff x="0" y="0"/>
-          <a:chExt cx="0" cy="0"/>
-        </a:xfrm>
-      </p:grpSpPr>
-      <p:sp>
-        <p:nvSpPr>
-          <p:cNvPr id="122" name="Google Shape;122;p14:notes"/>
-          <p:cNvSpPr txBox="1">
-            <a:spLocks noGrp="1"/>
-          </p:cNvSpPr>
-          <p:nvPr>
-            <p:ph type="body" idx="1"/>
-          </p:nvPr>
-        </p:nvSpPr>
-        <p:spPr>
-          <a:xfrm>
-            <a:off x="685800" y="4343400"/>
-            <a:ext cx="5486400" cy="4114800"/>
-          </a:xfrm>
-          <a:prstGeom prst="rect">
-            <a:avLst/>
-          </a:prstGeom>
-          <a:noFill/>
-          <a:ln>
-            <a:noFill/>
-          </a:ln>
-        </p:spPr>
-        <p:txBody>
-          <a:bodyPr spcFirstLastPara="1" wrap="square" lIns="91425" tIns="91425" rIns="91425" bIns="91425" anchor="t" anchorCtr="0">
-            <a:noAutofit/>
-          </a:bodyPr>
-          <a:lstStyle/>
-          <a:p>
-            <a:pPr marL="0" lvl="0" indent="0" algn="l" rtl="0">
-              <a:lnSpc>
-                <a:spcPct val="100000"/>
-              </a:lnSpc>
-              <a:spcBef>
-                <a:spcPts val="0"/>
-              </a:spcBef>
-              <a:spcAft>
-                <a:spcPts val="0"/>
-              </a:spcAft>
-              <a:buSzPts val="1100"/>
-              <a:buNone/>
-            </a:pPr>
-            <a:endParaRPr/>
-          </a:p>
-        </p:txBody>
-      </p:sp>
-      <p:sp>
-        <p:nvSpPr>
-          <p:cNvPr id="123" name="Google Shape;123;p14:notes"/>
-          <p:cNvSpPr>
-            <a:spLocks noGrp="1" noRot="1" noChangeAspect="1"/>
-          </p:cNvSpPr>
-          <p:nvPr>
-            <p:ph type="sldImg" idx="2"/>
-          </p:nvPr>
-        </p:nvSpPr>
-        <p:spPr>
-          <a:xfrm>
-            <a:off x="381000" y="685800"/>
-            <a:ext cx="6096000" cy="3429000"/>
-          </a:xfrm>
-          <a:custGeom>
-            <a:avLst/>
-            <a:gdLst/>
-            <a:ahLst/>
-            <a:cxnLst/>
-            <a:rect l="l" t="t" r="r" b="b"/>
-            <a:pathLst>
-              <a:path w="120000" h="120000" extrusionOk="0">
-                <a:moveTo>
-                  <a:pt x="0" y="0"/>
-                </a:moveTo>
-                <a:lnTo>
-                  <a:pt x="120000" y="0"/>
-                </a:lnTo>
-                <a:lnTo>
-                  <a:pt x="120000" y="120000"/>
-                </a:lnTo>
-                <a:lnTo>
-                  <a:pt x="0" y="120000"/>
-                </a:lnTo>
-                <a:close/>
-              </a:path>
-            </a:pathLst>
-          </a:custGeom>
-          <a:noFill/>
-          <a:ln w="9525" cap="flat" cmpd="sng">
-            <a:solidFill>
-              <a:srgbClr val="000000"/>
-            </a:solidFill>
-            <a:prstDash val="solid"/>
-            <a:round/>
-            <a:headEnd type="none" w="sm" len="sm"/>
-            <a:tailEnd type="none" w="sm" len="sm"/>
-          </a:ln>
-        </p:spPr>
-      </p:sp>
-    </p:spTree>
-    <p:extLst>
-      <p:ext uri="{BB962C8B-B14F-4D97-AF65-F5344CB8AC3E}">
-        <p14:creationId xmlns:p14="http://schemas.microsoft.com/office/powerpoint/2010/main" val="1053948520"/>
-      </p:ext>
-    </p:extLst>
   </p:cSld>
   <p:clrMapOvr>
     <a:masterClrMapping/>
@@ -19711,8 +19168,8 @@
         </p:nvSpPr>
         <p:spPr>
           <a:xfrm>
-            <a:off x="816428" y="3331031"/>
-            <a:ext cx="4000501" cy="1785256"/>
+            <a:off x="816428" y="3170775"/>
+            <a:ext cx="4125686" cy="2183649"/>
           </a:xfrm>
           <a:prstGeom prst="rect">
             <a:avLst/>
@@ -19771,6 +19228,25 @@
                 </a:solidFill>
               </a:rPr>
               <a:t>mec]</a:t>
+            </a:r>
+          </a:p>
+          <a:p>
+            <a:pPr algn="ctr"/>
+            <a:endParaRPr lang="es-MX" sz="1800" i="1" dirty="0">
+              <a:solidFill>
+                <a:schemeClr val="bg2"/>
+              </a:solidFill>
+            </a:endParaRPr>
+          </a:p>
+          <a:p>
+            <a:pPr algn="ctr"/>
+            <a:r>
+              <a:rPr lang="es-MX" sz="1800" i="1" dirty="0">
+                <a:solidFill>
+                  <a:schemeClr val="bg2"/>
+                </a:solidFill>
+              </a:rPr>
+              <a:t>Tipos de cassettes, regiones y genes blanco por buscar definidos en el git </a:t>
             </a:r>
             <a:endParaRPr lang="es-MX" sz="1800" dirty="0">
               <a:solidFill>
@@ -20342,7 +19818,7 @@
         </p:spPr>
         <p:txBody>
           <a:bodyPr>
-            <a:normAutofit fontScale="92500" lnSpcReduction="10000"/>
+            <a:normAutofit fontScale="92500" lnSpcReduction="20000"/>
           </a:bodyPr>
           <a:lstStyle/>
           <a:p>
@@ -20369,7 +19845,7 @@
           <a:p>
             <a:r>
               <a:rPr lang="es-MX" dirty="0"/>
-              <a:t>SCC mec Finder doi: 10.1128/mSphere.00612-17.</a:t>
+              <a:t>SCC mec Finder doi: 10.1128/mSphere.00612-17. [https://github.com/rpetit3/sccmec]</a:t>
             </a:r>
           </a:p>
           <a:p>
@@ -20609,503 +20085,6 @@
         </p:txBody>
       </p:sp>
     </p:spTree>
-  </p:cSld>
-  <p:clrMapOvr>
-    <a:masterClrMapping/>
-  </p:clrMapOvr>
-</p:sld>
-</file>
-
-<file path=ppt/slides/slide21.xml><?xml version="1.0" encoding="utf-8"?>
-<p:sld xmlns:a="http://schemas.openxmlformats.org/drawingml/2006/main" xmlns:r="http://schemas.openxmlformats.org/officeDocument/2006/relationships" xmlns:p="http://schemas.openxmlformats.org/presentationml/2006/main">
-  <p:cSld>
-    <p:spTree>
-      <p:nvGrpSpPr>
-        <p:cNvPr id="1" name="Shape 96"/>
-        <p:cNvGrpSpPr/>
-        <p:nvPr/>
-      </p:nvGrpSpPr>
-      <p:grpSpPr>
-        <a:xfrm>
-          <a:off x="0" y="0"/>
-          <a:ext cx="0" cy="0"/>
-          <a:chOff x="0" y="0"/>
-          <a:chExt cx="0" cy="0"/>
-        </a:xfrm>
-      </p:grpSpPr>
-      <p:sp>
-        <p:nvSpPr>
-          <p:cNvPr id="97" name="Google Shape;97;p7"/>
-          <p:cNvSpPr txBox="1">
-            <a:spLocks noGrp="1"/>
-          </p:cNvSpPr>
-          <p:nvPr>
-            <p:ph type="title"/>
-          </p:nvPr>
-        </p:nvSpPr>
-        <p:spPr>
-          <a:xfrm>
-            <a:off x="6072783" y="786384"/>
-            <a:ext cx="5720080" cy="2066817"/>
-          </a:xfrm>
-          <a:prstGeom prst="rect">
-            <a:avLst/>
-          </a:prstGeom>
-          <a:noFill/>
-          <a:ln>
-            <a:noFill/>
-          </a:ln>
-        </p:spPr>
-        <p:txBody>
-          <a:bodyPr spcFirstLastPara="1" wrap="square" lIns="91425" tIns="45700" rIns="91425" bIns="45700" anchor="b" anchorCtr="0">
-            <a:noAutofit/>
-          </a:bodyPr>
-          <a:lstStyle/>
-          <a:p>
-            <a:pPr marL="0" lvl="0" indent="0" algn="l" rtl="0">
-              <a:lnSpc>
-                <a:spcPct val="90000"/>
-              </a:lnSpc>
-              <a:spcBef>
-                <a:spcPts val="0"/>
-              </a:spcBef>
-              <a:spcAft>
-                <a:spcPts val="0"/>
-              </a:spcAft>
-              <a:buClr>
-                <a:srgbClr val="6E152E"/>
-              </a:buClr>
-              <a:buSzPts val="4400"/>
-              <a:buFont typeface="Montserrat SemiBold"/>
-              <a:buNone/>
-            </a:pPr>
-            <a:r>
-              <a:rPr lang="es-MX" sz="3600" b="1">
-                <a:solidFill>
-                  <a:srgbClr val="691932"/>
-                </a:solidFill>
-                <a:latin typeface="Noto Sans"/>
-                <a:ea typeface="Noto Sans"/>
-                <a:cs typeface="Noto Sans"/>
-                <a:sym typeface="Noto Sans"/>
-              </a:rPr>
-              <a:t>Ejemplo de Entrada de</a:t>
-            </a:r>
-            <a:br>
-              <a:rPr lang="es-MX" sz="3600" b="1">
-                <a:solidFill>
-                  <a:srgbClr val="691932"/>
-                </a:solidFill>
-                <a:latin typeface="Noto Sans"/>
-                <a:ea typeface="Noto Sans"/>
-                <a:cs typeface="Noto Sans"/>
-                <a:sym typeface="Noto Sans"/>
-              </a:rPr>
-            </a:br>
-            <a:r>
-              <a:rPr lang="es-MX" sz="3600" b="1">
-                <a:solidFill>
-                  <a:srgbClr val="691932"/>
-                </a:solidFill>
-                <a:latin typeface="Noto Sans"/>
-                <a:ea typeface="Noto Sans"/>
-                <a:cs typeface="Noto Sans"/>
-                <a:sym typeface="Noto Sans"/>
-              </a:rPr>
-              <a:t>Capítulo o Tema</a:t>
-            </a:r>
-            <a:endParaRPr sz="3600" b="1">
-              <a:solidFill>
-                <a:srgbClr val="691932"/>
-              </a:solidFill>
-              <a:latin typeface="Noto Sans"/>
-              <a:ea typeface="Noto Sans"/>
-              <a:cs typeface="Noto Sans"/>
-              <a:sym typeface="Noto Sans"/>
-            </a:endParaRPr>
-          </a:p>
-        </p:txBody>
-      </p:sp>
-      <p:cxnSp>
-        <p:nvCxnSpPr>
-          <p:cNvPr id="98" name="Google Shape;98;p7"/>
-          <p:cNvCxnSpPr/>
-          <p:nvPr/>
-        </p:nvCxnSpPr>
-        <p:spPr>
-          <a:xfrm>
-            <a:off x="6182139" y="2932043"/>
-            <a:ext cx="6009861" cy="0"/>
-          </a:xfrm>
-          <a:prstGeom prst="straightConnector1">
-            <a:avLst/>
-          </a:prstGeom>
-          <a:noFill/>
-          <a:ln w="38100" cap="flat" cmpd="sng">
-            <a:solidFill>
-              <a:srgbClr val="B7903D"/>
-            </a:solidFill>
-            <a:prstDash val="solid"/>
-            <a:miter lim="800000"/>
-            <a:headEnd type="none" w="sm" len="sm"/>
-            <a:tailEnd type="none" w="sm" len="sm"/>
-          </a:ln>
-        </p:spPr>
-      </p:cxnSp>
-      <p:pic>
-        <p:nvPicPr>
-          <p:cNvPr id="99" name="Google Shape;99;p7"/>
-          <p:cNvPicPr preferRelativeResize="0"/>
-          <p:nvPr/>
-        </p:nvPicPr>
-        <p:blipFill rotWithShape="1">
-          <a:blip r:embed="rId3">
-            <a:alphaModFix/>
-          </a:blip>
-          <a:srcRect l="7911" t="20400" r="5244" b="18189"/>
-          <a:stretch/>
-        </p:blipFill>
-        <p:spPr>
-          <a:xfrm>
-            <a:off x="600700" y="321750"/>
-            <a:ext cx="6288701" cy="1105800"/>
-          </a:xfrm>
-          <a:prstGeom prst="rect">
-            <a:avLst/>
-          </a:prstGeom>
-          <a:noFill/>
-          <a:ln>
-            <a:noFill/>
-          </a:ln>
-        </p:spPr>
-      </p:pic>
-    </p:spTree>
-    <p:extLst>
-      <p:ext uri="{BB962C8B-B14F-4D97-AF65-F5344CB8AC3E}">
-        <p14:creationId xmlns:p14="http://schemas.microsoft.com/office/powerpoint/2010/main" val="3512692224"/>
-      </p:ext>
-    </p:extLst>
-  </p:cSld>
-  <p:clrMapOvr>
-    <a:masterClrMapping/>
-  </p:clrMapOvr>
-</p:sld>
-</file>
-
-<file path=ppt/slides/slide22.xml><?xml version="1.0" encoding="utf-8"?>
-<p:sld xmlns:a="http://schemas.openxmlformats.org/drawingml/2006/main" xmlns:r="http://schemas.openxmlformats.org/officeDocument/2006/relationships" xmlns:p="http://schemas.openxmlformats.org/presentationml/2006/main">
-  <p:cSld>
-    <p:spTree>
-      <p:nvGrpSpPr>
-        <p:cNvPr id="1" name="Shape 103"/>
-        <p:cNvGrpSpPr/>
-        <p:nvPr/>
-      </p:nvGrpSpPr>
-      <p:grpSpPr>
-        <a:xfrm>
-          <a:off x="0" y="0"/>
-          <a:ext cx="0" cy="0"/>
-          <a:chOff x="0" y="0"/>
-          <a:chExt cx="0" cy="0"/>
-        </a:xfrm>
-      </p:grpSpPr>
-      <p:sp>
-        <p:nvSpPr>
-          <p:cNvPr id="104" name="Google Shape;104;p8"/>
-          <p:cNvSpPr txBox="1">
-            <a:spLocks noGrp="1"/>
-          </p:cNvSpPr>
-          <p:nvPr>
-            <p:ph type="title"/>
-          </p:nvPr>
-        </p:nvSpPr>
-        <p:spPr>
-          <a:xfrm>
-            <a:off x="6072783" y="1457838"/>
-            <a:ext cx="5720080" cy="2066817"/>
-          </a:xfrm>
-          <a:prstGeom prst="rect">
-            <a:avLst/>
-          </a:prstGeom>
-          <a:noFill/>
-          <a:ln>
-            <a:noFill/>
-          </a:ln>
-        </p:spPr>
-        <p:txBody>
-          <a:bodyPr spcFirstLastPara="1" wrap="square" lIns="91425" tIns="45700" rIns="91425" bIns="45700" anchor="b" anchorCtr="0">
-            <a:noAutofit/>
-          </a:bodyPr>
-          <a:lstStyle/>
-          <a:p>
-            <a:pPr marL="0" lvl="0" indent="0" algn="l" rtl="0">
-              <a:lnSpc>
-                <a:spcPct val="90000"/>
-              </a:lnSpc>
-              <a:spcBef>
-                <a:spcPts val="0"/>
-              </a:spcBef>
-              <a:spcAft>
-                <a:spcPts val="0"/>
-              </a:spcAft>
-              <a:buClr>
-                <a:srgbClr val="6E152E"/>
-              </a:buClr>
-              <a:buSzPts val="4400"/>
-              <a:buFont typeface="Montserrat SemiBold"/>
-              <a:buNone/>
-            </a:pPr>
-            <a:r>
-              <a:rPr lang="es-MX" sz="3600" b="1">
-                <a:solidFill>
-                  <a:srgbClr val="691932"/>
-                </a:solidFill>
-                <a:latin typeface="Noto Sans"/>
-                <a:ea typeface="Noto Sans"/>
-                <a:cs typeface="Noto Sans"/>
-                <a:sym typeface="Noto Sans"/>
-              </a:rPr>
-              <a:t>Ejemplo de Entrada de</a:t>
-            </a:r>
-            <a:br>
-              <a:rPr lang="es-MX" sz="3600" b="1">
-                <a:solidFill>
-                  <a:srgbClr val="691932"/>
-                </a:solidFill>
-                <a:latin typeface="Noto Sans"/>
-                <a:ea typeface="Noto Sans"/>
-                <a:cs typeface="Noto Sans"/>
-                <a:sym typeface="Noto Sans"/>
-              </a:rPr>
-            </a:br>
-            <a:r>
-              <a:rPr lang="es-MX" sz="3600" b="1">
-                <a:solidFill>
-                  <a:srgbClr val="691932"/>
-                </a:solidFill>
-                <a:latin typeface="Noto Sans"/>
-                <a:ea typeface="Noto Sans"/>
-                <a:cs typeface="Noto Sans"/>
-                <a:sym typeface="Noto Sans"/>
-              </a:rPr>
-              <a:t>Capítulo o Tema</a:t>
-            </a:r>
-            <a:endParaRPr sz="3600" b="1">
-              <a:solidFill>
-                <a:srgbClr val="691932"/>
-              </a:solidFill>
-              <a:latin typeface="Noto Sans"/>
-              <a:ea typeface="Noto Sans"/>
-              <a:cs typeface="Noto Sans"/>
-              <a:sym typeface="Noto Sans"/>
-            </a:endParaRPr>
-          </a:p>
-        </p:txBody>
-      </p:sp>
-      <p:pic>
-        <p:nvPicPr>
-          <p:cNvPr id="105" name="Google Shape;105;p8"/>
-          <p:cNvPicPr preferRelativeResize="0"/>
-          <p:nvPr/>
-        </p:nvPicPr>
-        <p:blipFill rotWithShape="1">
-          <a:blip r:embed="rId3">
-            <a:alphaModFix/>
-          </a:blip>
-          <a:srcRect l="7911" t="20400" r="5244" b="18189"/>
-          <a:stretch/>
-        </p:blipFill>
-        <p:spPr>
-          <a:xfrm>
-            <a:off x="5656600" y="321750"/>
-            <a:ext cx="6288701" cy="1105800"/>
-          </a:xfrm>
-          <a:prstGeom prst="rect">
-            <a:avLst/>
-          </a:prstGeom>
-          <a:noFill/>
-          <a:ln>
-            <a:noFill/>
-          </a:ln>
-        </p:spPr>
-      </p:pic>
-    </p:spTree>
-    <p:extLst>
-      <p:ext uri="{BB962C8B-B14F-4D97-AF65-F5344CB8AC3E}">
-        <p14:creationId xmlns:p14="http://schemas.microsoft.com/office/powerpoint/2010/main" val="1522927868"/>
-      </p:ext>
-    </p:extLst>
-  </p:cSld>
-  <p:clrMapOvr>
-    <a:masterClrMapping/>
-  </p:clrMapOvr>
-</p:sld>
-</file>
-
-<file path=ppt/slides/slide23.xml><?xml version="1.0" encoding="utf-8"?>
-<p:sld xmlns:a="http://schemas.openxmlformats.org/drawingml/2006/main" xmlns:r="http://schemas.openxmlformats.org/officeDocument/2006/relationships" xmlns:p="http://schemas.openxmlformats.org/presentationml/2006/main">
-  <p:cSld>
-    <p:spTree>
-      <p:nvGrpSpPr>
-        <p:cNvPr id="1" name="Shape 114"/>
-        <p:cNvGrpSpPr/>
-        <p:nvPr/>
-      </p:nvGrpSpPr>
-      <p:grpSpPr>
-        <a:xfrm>
-          <a:off x="0" y="0"/>
-          <a:ext cx="0" cy="0"/>
-          <a:chOff x="0" y="0"/>
-          <a:chExt cx="0" cy="0"/>
-        </a:xfrm>
-      </p:grpSpPr>
-      <p:pic>
-        <p:nvPicPr>
-          <p:cNvPr id="115" name="Google Shape;115;p12"/>
-          <p:cNvPicPr preferRelativeResize="0"/>
-          <p:nvPr/>
-        </p:nvPicPr>
-        <p:blipFill rotWithShape="1">
-          <a:blip r:embed="rId3">
-            <a:alphaModFix/>
-          </a:blip>
-          <a:srcRect l="7911" t="20400" r="5244" b="18189"/>
-          <a:stretch/>
-        </p:blipFill>
-        <p:spPr>
-          <a:xfrm>
-            <a:off x="5656600" y="321750"/>
-            <a:ext cx="6288701" cy="1105800"/>
-          </a:xfrm>
-          <a:prstGeom prst="rect">
-            <a:avLst/>
-          </a:prstGeom>
-          <a:noFill/>
-          <a:ln>
-            <a:noFill/>
-          </a:ln>
-        </p:spPr>
-      </p:pic>
-    </p:spTree>
-    <p:extLst>
-      <p:ext uri="{BB962C8B-B14F-4D97-AF65-F5344CB8AC3E}">
-        <p14:creationId xmlns:p14="http://schemas.microsoft.com/office/powerpoint/2010/main" val="993426451"/>
-      </p:ext>
-    </p:extLst>
-  </p:cSld>
-  <p:clrMapOvr>
-    <a:masterClrMapping/>
-  </p:clrMapOvr>
-</p:sld>
-</file>
-
-<file path=ppt/slides/slide24.xml><?xml version="1.0" encoding="utf-8"?>
-<p:sld xmlns:a="http://schemas.openxmlformats.org/drawingml/2006/main" xmlns:r="http://schemas.openxmlformats.org/officeDocument/2006/relationships" xmlns:p="http://schemas.openxmlformats.org/presentationml/2006/main">
-  <p:cSld>
-    <p:spTree>
-      <p:nvGrpSpPr>
-        <p:cNvPr id="1" name="Shape 119"/>
-        <p:cNvGrpSpPr/>
-        <p:nvPr/>
-      </p:nvGrpSpPr>
-      <p:grpSpPr>
-        <a:xfrm>
-          <a:off x="0" y="0"/>
-          <a:ext cx="0" cy="0"/>
-          <a:chOff x="0" y="0"/>
-          <a:chExt cx="0" cy="0"/>
-        </a:xfrm>
-      </p:grpSpPr>
-      <p:pic>
-        <p:nvPicPr>
-          <p:cNvPr id="120" name="Google Shape;120;p13"/>
-          <p:cNvPicPr preferRelativeResize="0"/>
-          <p:nvPr/>
-        </p:nvPicPr>
-        <p:blipFill rotWithShape="1">
-          <a:blip r:embed="rId3">
-            <a:alphaModFix/>
-          </a:blip>
-          <a:srcRect l="7911" t="20400" r="5244" b="18189"/>
-          <a:stretch/>
-        </p:blipFill>
-        <p:spPr>
-          <a:xfrm>
-            <a:off x="5656600" y="321750"/>
-            <a:ext cx="6288701" cy="1105800"/>
-          </a:xfrm>
-          <a:prstGeom prst="rect">
-            <a:avLst/>
-          </a:prstGeom>
-          <a:noFill/>
-          <a:ln>
-            <a:noFill/>
-          </a:ln>
-        </p:spPr>
-      </p:pic>
-    </p:spTree>
-    <p:extLst>
-      <p:ext uri="{BB962C8B-B14F-4D97-AF65-F5344CB8AC3E}">
-        <p14:creationId xmlns:p14="http://schemas.microsoft.com/office/powerpoint/2010/main" val="2428062301"/>
-      </p:ext>
-    </p:extLst>
-  </p:cSld>
-  <p:clrMapOvr>
-    <a:masterClrMapping/>
-  </p:clrMapOvr>
-</p:sld>
-</file>
-
-<file path=ppt/slides/slide25.xml><?xml version="1.0" encoding="utf-8"?>
-<p:sld xmlns:a="http://schemas.openxmlformats.org/drawingml/2006/main" xmlns:r="http://schemas.openxmlformats.org/officeDocument/2006/relationships" xmlns:p="http://schemas.openxmlformats.org/presentationml/2006/main">
-  <p:cSld>
-    <p:spTree>
-      <p:nvGrpSpPr>
-        <p:cNvPr id="1" name="Shape 124"/>
-        <p:cNvGrpSpPr/>
-        <p:nvPr/>
-      </p:nvGrpSpPr>
-      <p:grpSpPr>
-        <a:xfrm>
-          <a:off x="0" y="0"/>
-          <a:ext cx="0" cy="0"/>
-          <a:chOff x="0" y="0"/>
-          <a:chExt cx="0" cy="0"/>
-        </a:xfrm>
-      </p:grpSpPr>
-      <p:pic>
-        <p:nvPicPr>
-          <p:cNvPr id="125" name="Google Shape;125;p14"/>
-          <p:cNvPicPr preferRelativeResize="0"/>
-          <p:nvPr/>
-        </p:nvPicPr>
-        <p:blipFill rotWithShape="1">
-          <a:blip r:embed="rId3">
-            <a:alphaModFix/>
-          </a:blip>
-          <a:srcRect l="7911" t="20400" r="5244" b="18189"/>
-          <a:stretch/>
-        </p:blipFill>
-        <p:spPr>
-          <a:xfrm>
-            <a:off x="5656600" y="321750"/>
-            <a:ext cx="6288701" cy="1105800"/>
-          </a:xfrm>
-          <a:prstGeom prst="rect">
-            <a:avLst/>
-          </a:prstGeom>
-          <a:noFill/>
-          <a:ln>
-            <a:noFill/>
-          </a:ln>
-        </p:spPr>
-      </p:pic>
-    </p:spTree>
-    <p:extLst>
-      <p:ext uri="{BB962C8B-B14F-4D97-AF65-F5344CB8AC3E}">
-        <p14:creationId xmlns:p14="http://schemas.microsoft.com/office/powerpoint/2010/main" val="951887342"/>
-      </p:ext>
-    </p:extLst>
   </p:cSld>
   <p:clrMapOvr>
     <a:masterClrMapping/>
